--- a/docs/diagrams/setColourSequenceDiagram.pptx
+++ b/docs/diagrams/setColourSequenceDiagram.pptx
@@ -4208,7 +4208,7 @@
                   <a:srgbClr val="00B0F0"/>
                 </a:solidFill>
               </a:rPr>
-              <a:t>UnitsChangedEvent</a:t>
+              <a:t>SelectChangedEvent</a:t>
             </a:r>
             <a:r>
               <a:rPr lang="en-US" sz="1400" b="1" dirty="0">
